--- a/slides/6_propaganda_model/propaganda_model.pptx
+++ b/slides/6_propaganda_model/propaganda_model.pptx
@@ -4,10 +4,17 @@
   <p:sldMasterIdLst>
     <p:sldMasterId id="2147483912" r:id="rId1"/>
   </p:sldMasterIdLst>
+  <p:notesMasterIdLst>
+    <p:notesMasterId r:id="rId9"/>
+  </p:notesMasterIdLst>
   <p:sldIdLst>
     <p:sldId id="256" r:id="rId2"/>
     <p:sldId id="257" r:id="rId3"/>
     <p:sldId id="258" r:id="rId4"/>
+    <p:sldId id="259" r:id="rId5"/>
+    <p:sldId id="260" r:id="rId6"/>
+    <p:sldId id="261" r:id="rId7"/>
+    <p:sldId id="262" r:id="rId8"/>
   </p:sldIdLst>
   <p:sldSz cx="9144000" cy="6858000" type="screen4x3"/>
   <p:notesSz cx="6858000" cy="9144000"/>
@@ -109,6 +116,440 @@
 </p:presentation>
 </file>
 
+<file path=ppt/notesMasters/notesMaster1.xml><?xml version="1.0" encoding="utf-8"?>
+<p:notesMaster xmlns:a="http://schemas.openxmlformats.org/drawingml/2006/main" xmlns:r="http://schemas.openxmlformats.org/officeDocument/2006/relationships" xmlns:p="http://schemas.openxmlformats.org/presentationml/2006/main">
+  <p:cSld>
+    <p:bg>
+      <p:bgRef idx="1001">
+        <a:schemeClr val="bg1"/>
+      </p:bgRef>
+    </p:bg>
+    <p:spTree>
+      <p:nvGrpSpPr>
+        <p:cNvPr id="1" name=""/>
+        <p:cNvGrpSpPr/>
+        <p:nvPr/>
+      </p:nvGrpSpPr>
+      <p:grpSpPr>
+        <a:xfrm>
+          <a:off x="0" y="0"/>
+          <a:ext cx="0" cy="0"/>
+          <a:chOff x="0" y="0"/>
+          <a:chExt cx="0" cy="0"/>
+        </a:xfrm>
+      </p:grpSpPr>
+      <p:sp>
+        <p:nvSpPr>
+          <p:cNvPr id="2" name="Header Placeholder 1"/>
+          <p:cNvSpPr>
+            <a:spLocks noGrp="1"/>
+          </p:cNvSpPr>
+          <p:nvPr>
+            <p:ph type="hdr" sz="quarter"/>
+          </p:nvPr>
+        </p:nvSpPr>
+        <p:spPr>
+          <a:xfrm>
+            <a:off x="0" y="0"/>
+            <a:ext cx="2971800" cy="457200"/>
+          </a:xfrm>
+          <a:prstGeom prst="rect">
+            <a:avLst/>
+          </a:prstGeom>
+        </p:spPr>
+        <p:txBody>
+          <a:bodyPr vert="horz" lIns="91440" tIns="45720" rIns="91440" bIns="45720" rtlCol="0"/>
+          <a:lstStyle>
+            <a:lvl1pPr algn="l">
+              <a:defRPr sz="1200"/>
+            </a:lvl1pPr>
+          </a:lstStyle>
+          <a:p>
+            <a:endParaRPr lang="en-US"/>
+          </a:p>
+        </p:txBody>
+      </p:sp>
+      <p:sp>
+        <p:nvSpPr>
+          <p:cNvPr id="3" name="Date Placeholder 2"/>
+          <p:cNvSpPr>
+            <a:spLocks noGrp="1"/>
+          </p:cNvSpPr>
+          <p:nvPr>
+            <p:ph type="dt" idx="1"/>
+          </p:nvPr>
+        </p:nvSpPr>
+        <p:spPr>
+          <a:xfrm>
+            <a:off x="3884613" y="0"/>
+            <a:ext cx="2971800" cy="457200"/>
+          </a:xfrm>
+          <a:prstGeom prst="rect">
+            <a:avLst/>
+          </a:prstGeom>
+        </p:spPr>
+        <p:txBody>
+          <a:bodyPr vert="horz" lIns="91440" tIns="45720" rIns="91440" bIns="45720" rtlCol="0"/>
+          <a:lstStyle>
+            <a:lvl1pPr algn="r">
+              <a:defRPr sz="1200"/>
+            </a:lvl1pPr>
+          </a:lstStyle>
+          <a:p>
+            <a:fld id="{357F6F9F-CA38-6A4E-919C-6AEBF248B018}" type="datetimeFigureOut">
+              <a:rPr lang="en-US" smtClean="0"/>
+              <a:t>11/11/15</a:t>
+            </a:fld>
+            <a:endParaRPr lang="en-US"/>
+          </a:p>
+        </p:txBody>
+      </p:sp>
+      <p:sp>
+        <p:nvSpPr>
+          <p:cNvPr id="4" name="Slide Image Placeholder 3"/>
+          <p:cNvSpPr>
+            <a:spLocks noGrp="1" noRot="1" noChangeAspect="1"/>
+          </p:cNvSpPr>
+          <p:nvPr>
+            <p:ph type="sldImg" idx="2"/>
+          </p:nvPr>
+        </p:nvSpPr>
+        <p:spPr>
+          <a:xfrm>
+            <a:off x="1143000" y="685800"/>
+            <a:ext cx="4572000" cy="3429000"/>
+          </a:xfrm>
+          <a:prstGeom prst="rect">
+            <a:avLst/>
+          </a:prstGeom>
+          <a:noFill/>
+          <a:ln w="12700">
+            <a:solidFill>
+              <a:prstClr val="black"/>
+            </a:solidFill>
+          </a:ln>
+        </p:spPr>
+        <p:txBody>
+          <a:bodyPr vert="horz" lIns="91440" tIns="45720" rIns="91440" bIns="45720" rtlCol="0" anchor="ctr"/>
+          <a:lstStyle/>
+          <a:p>
+            <a:endParaRPr lang="en-US"/>
+          </a:p>
+        </p:txBody>
+      </p:sp>
+      <p:sp>
+        <p:nvSpPr>
+          <p:cNvPr id="5" name="Notes Placeholder 4"/>
+          <p:cNvSpPr>
+            <a:spLocks noGrp="1"/>
+          </p:cNvSpPr>
+          <p:nvPr>
+            <p:ph type="body" sz="quarter" idx="3"/>
+          </p:nvPr>
+        </p:nvSpPr>
+        <p:spPr>
+          <a:xfrm>
+            <a:off x="685800" y="4343400"/>
+            <a:ext cx="5486400" cy="4114800"/>
+          </a:xfrm>
+          <a:prstGeom prst="rect">
+            <a:avLst/>
+          </a:prstGeom>
+        </p:spPr>
+        <p:txBody>
+          <a:bodyPr vert="horz" lIns="91440" tIns="45720" rIns="91440" bIns="45720" rtlCol="0"/>
+          <a:lstStyle/>
+          <a:p>
+            <a:pPr lvl="0"/>
+            <a:r>
+              <a:rPr lang="en-US" smtClean="0"/>
+              <a:t>Click to edit Master text styles</a:t>
+            </a:r>
+          </a:p>
+          <a:p>
+            <a:pPr lvl="1"/>
+            <a:r>
+              <a:rPr lang="en-US" smtClean="0"/>
+              <a:t>Second level</a:t>
+            </a:r>
+          </a:p>
+          <a:p>
+            <a:pPr lvl="2"/>
+            <a:r>
+              <a:rPr lang="en-US" smtClean="0"/>
+              <a:t>Third level</a:t>
+            </a:r>
+          </a:p>
+          <a:p>
+            <a:pPr lvl="3"/>
+            <a:r>
+              <a:rPr lang="en-US" smtClean="0"/>
+              <a:t>Fourth level</a:t>
+            </a:r>
+          </a:p>
+          <a:p>
+            <a:pPr lvl="4"/>
+            <a:r>
+              <a:rPr lang="en-US" smtClean="0"/>
+              <a:t>Fifth level</a:t>
+            </a:r>
+            <a:endParaRPr lang="en-US"/>
+          </a:p>
+        </p:txBody>
+      </p:sp>
+      <p:sp>
+        <p:nvSpPr>
+          <p:cNvPr id="6" name="Footer Placeholder 5"/>
+          <p:cNvSpPr>
+            <a:spLocks noGrp="1"/>
+          </p:cNvSpPr>
+          <p:nvPr>
+            <p:ph type="ftr" sz="quarter" idx="4"/>
+          </p:nvPr>
+        </p:nvSpPr>
+        <p:spPr>
+          <a:xfrm>
+            <a:off x="0" y="8685213"/>
+            <a:ext cx="2971800" cy="457200"/>
+          </a:xfrm>
+          <a:prstGeom prst="rect">
+            <a:avLst/>
+          </a:prstGeom>
+        </p:spPr>
+        <p:txBody>
+          <a:bodyPr vert="horz" lIns="91440" tIns="45720" rIns="91440" bIns="45720" rtlCol="0" anchor="b"/>
+          <a:lstStyle>
+            <a:lvl1pPr algn="l">
+              <a:defRPr sz="1200"/>
+            </a:lvl1pPr>
+          </a:lstStyle>
+          <a:p>
+            <a:endParaRPr lang="en-US"/>
+          </a:p>
+        </p:txBody>
+      </p:sp>
+      <p:sp>
+        <p:nvSpPr>
+          <p:cNvPr id="7" name="Slide Number Placeholder 6"/>
+          <p:cNvSpPr>
+            <a:spLocks noGrp="1"/>
+          </p:cNvSpPr>
+          <p:nvPr>
+            <p:ph type="sldNum" sz="quarter" idx="5"/>
+          </p:nvPr>
+        </p:nvSpPr>
+        <p:spPr>
+          <a:xfrm>
+            <a:off x="3884613" y="8685213"/>
+            <a:ext cx="2971800" cy="457200"/>
+          </a:xfrm>
+          <a:prstGeom prst="rect">
+            <a:avLst/>
+          </a:prstGeom>
+        </p:spPr>
+        <p:txBody>
+          <a:bodyPr vert="horz" lIns="91440" tIns="45720" rIns="91440" bIns="45720" rtlCol="0" anchor="b"/>
+          <a:lstStyle>
+            <a:lvl1pPr algn="r">
+              <a:defRPr sz="1200"/>
+            </a:lvl1pPr>
+          </a:lstStyle>
+          <a:p>
+            <a:fld id="{5CA90E3B-E21D-9E42-8320-4EC772543D8F}" type="slidenum">
+              <a:rPr lang="en-US" smtClean="0"/>
+              <a:t>‹#›</a:t>
+            </a:fld>
+            <a:endParaRPr lang="en-US"/>
+          </a:p>
+        </p:txBody>
+      </p:sp>
+    </p:spTree>
+    <p:extLst>
+      <p:ext uri="{BB962C8B-B14F-4D97-AF65-F5344CB8AC3E}">
+        <p14:creationId xmlns:p14="http://schemas.microsoft.com/office/powerpoint/2010/main" val="4019869314"/>
+      </p:ext>
+    </p:extLst>
+  </p:cSld>
+  <p:clrMap bg1="lt1" tx1="dk1" bg2="lt2" tx2="dk2" accent1="accent1" accent2="accent2" accent3="accent3" accent4="accent4" accent5="accent5" accent6="accent6" hlink="hlink" folHlink="folHlink"/>
+  <p:notesStyle>
+    <a:lvl1pPr marL="0" algn="l" defTabSz="457200" rtl="0" eaLnBrk="1" latinLnBrk="0" hangingPunct="1">
+      <a:defRPr sz="1200" kern="1200">
+        <a:solidFill>
+          <a:schemeClr val="tx1"/>
+        </a:solidFill>
+        <a:latin typeface="+mn-lt"/>
+        <a:ea typeface="+mn-ea"/>
+        <a:cs typeface="+mn-cs"/>
+      </a:defRPr>
+    </a:lvl1pPr>
+    <a:lvl2pPr marL="457200" algn="l" defTabSz="457200" rtl="0" eaLnBrk="1" latinLnBrk="0" hangingPunct="1">
+      <a:defRPr sz="1200" kern="1200">
+        <a:solidFill>
+          <a:schemeClr val="tx1"/>
+        </a:solidFill>
+        <a:latin typeface="+mn-lt"/>
+        <a:ea typeface="+mn-ea"/>
+        <a:cs typeface="+mn-cs"/>
+      </a:defRPr>
+    </a:lvl2pPr>
+    <a:lvl3pPr marL="914400" algn="l" defTabSz="457200" rtl="0" eaLnBrk="1" latinLnBrk="0" hangingPunct="1">
+      <a:defRPr sz="1200" kern="1200">
+        <a:solidFill>
+          <a:schemeClr val="tx1"/>
+        </a:solidFill>
+        <a:latin typeface="+mn-lt"/>
+        <a:ea typeface="+mn-ea"/>
+        <a:cs typeface="+mn-cs"/>
+      </a:defRPr>
+    </a:lvl3pPr>
+    <a:lvl4pPr marL="1371600" algn="l" defTabSz="457200" rtl="0" eaLnBrk="1" latinLnBrk="0" hangingPunct="1">
+      <a:defRPr sz="1200" kern="1200">
+        <a:solidFill>
+          <a:schemeClr val="tx1"/>
+        </a:solidFill>
+        <a:latin typeface="+mn-lt"/>
+        <a:ea typeface="+mn-ea"/>
+        <a:cs typeface="+mn-cs"/>
+      </a:defRPr>
+    </a:lvl4pPr>
+    <a:lvl5pPr marL="1828800" algn="l" defTabSz="457200" rtl="0" eaLnBrk="1" latinLnBrk="0" hangingPunct="1">
+      <a:defRPr sz="1200" kern="1200">
+        <a:solidFill>
+          <a:schemeClr val="tx1"/>
+        </a:solidFill>
+        <a:latin typeface="+mn-lt"/>
+        <a:ea typeface="+mn-ea"/>
+        <a:cs typeface="+mn-cs"/>
+      </a:defRPr>
+    </a:lvl5pPr>
+    <a:lvl6pPr marL="2286000" algn="l" defTabSz="457200" rtl="0" eaLnBrk="1" latinLnBrk="0" hangingPunct="1">
+      <a:defRPr sz="1200" kern="1200">
+        <a:solidFill>
+          <a:schemeClr val="tx1"/>
+        </a:solidFill>
+        <a:latin typeface="+mn-lt"/>
+        <a:ea typeface="+mn-ea"/>
+        <a:cs typeface="+mn-cs"/>
+      </a:defRPr>
+    </a:lvl6pPr>
+    <a:lvl7pPr marL="2743200" algn="l" defTabSz="457200" rtl="0" eaLnBrk="1" latinLnBrk="0" hangingPunct="1">
+      <a:defRPr sz="1200" kern="1200">
+        <a:solidFill>
+          <a:schemeClr val="tx1"/>
+        </a:solidFill>
+        <a:latin typeface="+mn-lt"/>
+        <a:ea typeface="+mn-ea"/>
+        <a:cs typeface="+mn-cs"/>
+      </a:defRPr>
+    </a:lvl7pPr>
+    <a:lvl8pPr marL="3200400" algn="l" defTabSz="457200" rtl="0" eaLnBrk="1" latinLnBrk="0" hangingPunct="1">
+      <a:defRPr sz="1200" kern="1200">
+        <a:solidFill>
+          <a:schemeClr val="tx1"/>
+        </a:solidFill>
+        <a:latin typeface="+mn-lt"/>
+        <a:ea typeface="+mn-ea"/>
+        <a:cs typeface="+mn-cs"/>
+      </a:defRPr>
+    </a:lvl8pPr>
+    <a:lvl9pPr marL="3657600" algn="l" defTabSz="457200" rtl="0" eaLnBrk="1" latinLnBrk="0" hangingPunct="1">
+      <a:defRPr sz="1200" kern="1200">
+        <a:solidFill>
+          <a:schemeClr val="tx1"/>
+        </a:solidFill>
+        <a:latin typeface="+mn-lt"/>
+        <a:ea typeface="+mn-ea"/>
+        <a:cs typeface="+mn-cs"/>
+      </a:defRPr>
+    </a:lvl9pPr>
+  </p:notesStyle>
+</p:notesMaster>
+</file>
+
+<file path=ppt/notesSlides/notesSlide1.xml><?xml version="1.0" encoding="utf-8"?>
+<p:notes xmlns:a="http://schemas.openxmlformats.org/drawingml/2006/main" xmlns:r="http://schemas.openxmlformats.org/officeDocument/2006/relationships" xmlns:p="http://schemas.openxmlformats.org/presentationml/2006/main">
+  <p:cSld>
+    <p:spTree>
+      <p:nvGrpSpPr>
+        <p:cNvPr id="1" name=""/>
+        <p:cNvGrpSpPr/>
+        <p:nvPr/>
+      </p:nvGrpSpPr>
+      <p:grpSpPr>
+        <a:xfrm>
+          <a:off x="0" y="0"/>
+          <a:ext cx="0" cy="0"/>
+          <a:chOff x="0" y="0"/>
+          <a:chExt cx="0" cy="0"/>
+        </a:xfrm>
+      </p:grpSpPr>
+      <p:sp>
+        <p:nvSpPr>
+          <p:cNvPr id="2" name="Slide Image Placeholder 1"/>
+          <p:cNvSpPr>
+            <a:spLocks noGrp="1" noRot="1" noChangeAspect="1"/>
+          </p:cNvSpPr>
+          <p:nvPr>
+            <p:ph type="sldImg"/>
+          </p:nvPr>
+        </p:nvSpPr>
+        <p:spPr/>
+      </p:sp>
+      <p:sp>
+        <p:nvSpPr>
+          <p:cNvPr id="3" name="Notes Placeholder 2"/>
+          <p:cNvSpPr>
+            <a:spLocks noGrp="1"/>
+          </p:cNvSpPr>
+          <p:nvPr>
+            <p:ph type="body" idx="1"/>
+          </p:nvPr>
+        </p:nvSpPr>
+        <p:spPr/>
+        <p:txBody>
+          <a:bodyPr/>
+          <a:lstStyle/>
+          <a:p>
+            <a:endParaRPr lang="en-US" dirty="0"/>
+          </a:p>
+        </p:txBody>
+      </p:sp>
+      <p:sp>
+        <p:nvSpPr>
+          <p:cNvPr id="4" name="Slide Number Placeholder 3"/>
+          <p:cNvSpPr>
+            <a:spLocks noGrp="1"/>
+          </p:cNvSpPr>
+          <p:nvPr>
+            <p:ph type="sldNum" sz="quarter" idx="10"/>
+          </p:nvPr>
+        </p:nvSpPr>
+        <p:spPr/>
+        <p:txBody>
+          <a:bodyPr/>
+          <a:lstStyle/>
+          <a:p>
+            <a:fld id="{5CA90E3B-E21D-9E42-8320-4EC772543D8F}" type="slidenum">
+              <a:rPr lang="en-US" smtClean="0"/>
+              <a:t>5</a:t>
+            </a:fld>
+            <a:endParaRPr lang="en-US"/>
+          </a:p>
+        </p:txBody>
+      </p:sp>
+    </p:spTree>
+    <p:extLst>
+      <p:ext uri="{BB962C8B-B14F-4D97-AF65-F5344CB8AC3E}">
+        <p14:creationId xmlns:p14="http://schemas.microsoft.com/office/powerpoint/2010/main" val="2331655331"/>
+      </p:ext>
+    </p:extLst>
+  </p:cSld>
+  <p:clrMapOvr>
+    <a:masterClrMapping/>
+  </p:clrMapOvr>
+</p:notes>
+</file>
+
 <file path=ppt/slideLayouts/slideLayout1.xml><?xml version="1.0" encoding="utf-8"?>
 <p:sldLayout xmlns:a="http://schemas.openxmlformats.org/drawingml/2006/main" xmlns:r="http://schemas.openxmlformats.org/officeDocument/2006/relationships" xmlns:p="http://schemas.openxmlformats.org/presentationml/2006/main" showMasterSp="0" type="title" preserve="1">
   <p:cSld name="Title Slide">
@@ -303,7 +744,7 @@
             <a:fld id="{451DEABC-D766-4322-8E78-B830FAE35C72}" type="datetime4">
               <a:rPr lang="en-US" smtClean="0"/>
               <a:pPr/>
-              <a:t>November 13, 2014</a:t>
+              <a:t>November 11, 2015</a:t>
             </a:fld>
             <a:endParaRPr lang="en-US" dirty="0"/>
           </a:p>
@@ -570,7 +1011,7 @@
             <a:fld id="{F3131F9E-604E-4343-9F29-EF72E8231CAD}" type="datetime4">
               <a:rPr lang="en-US" smtClean="0"/>
               <a:pPr/>
-              <a:t>November 13, 2014</a:t>
+              <a:t>November 11, 2015</a:t>
             </a:fld>
             <a:endParaRPr lang="en-US"/>
           </a:p>
@@ -747,7 +1188,7 @@
             <a:fld id="{34A8E1CE-37F8-4102-8DF9-852A0A51F293}" type="datetime4">
               <a:rPr lang="en-US" smtClean="0"/>
               <a:pPr/>
-              <a:t>November 13, 2014</a:t>
+              <a:t>November 11, 2015</a:t>
             </a:fld>
             <a:endParaRPr lang="en-US"/>
           </a:p>
@@ -914,7 +1355,7 @@
             <a:fld id="{93333F43-3E86-47E4-BFBB-2476D384E1C6}" type="datetime4">
               <a:rPr lang="en-US" smtClean="0"/>
               <a:pPr/>
-              <a:t>November 13, 2014</a:t>
+              <a:t>November 11, 2015</a:t>
             </a:fld>
             <a:endParaRPr lang="en-US"/>
           </a:p>
@@ -1165,7 +1606,7 @@
             <a:fld id="{751663BA-01FC-4367-B6F3-ABB2645D55F1}" type="datetime4">
               <a:rPr lang="en-US" smtClean="0"/>
               <a:pPr/>
-              <a:t>November 13, 2014</a:t>
+              <a:t>November 11, 2015</a:t>
             </a:fld>
             <a:endParaRPr lang="en-US" dirty="0"/>
           </a:p>
@@ -1450,7 +1891,7 @@
             <a:fld id="{79B19C71-EC74-44AF-B27E-FC7DC3C3A61D}" type="datetime4">
               <a:rPr lang="en-US" smtClean="0"/>
               <a:pPr/>
-              <a:t>November 13, 2014</a:t>
+              <a:t>November 11, 2015</a:t>
             </a:fld>
             <a:endParaRPr lang="en-US"/>
           </a:p>
@@ -1891,7 +2332,7 @@
             <a:fld id="{6A5CDA29-3CBE-48EA-92AE-A996835462BA}" type="datetime4">
               <a:rPr lang="en-US" smtClean="0"/>
               <a:pPr/>
-              <a:t>November 13, 2014</a:t>
+              <a:t>November 11, 2015</a:t>
             </a:fld>
             <a:endParaRPr lang="en-US"/>
           </a:p>
@@ -2006,7 +2447,7 @@
             <a:fld id="{E29EC054-3869-4501-B163-1BBFDE8DCE04}" type="datetime4">
               <a:rPr lang="en-US" smtClean="0"/>
               <a:pPr/>
-              <a:t>November 13, 2014</a:t>
+              <a:t>November 11, 2015</a:t>
             </a:fld>
             <a:endParaRPr lang="en-US"/>
           </a:p>
@@ -2098,7 +2539,7 @@
             <a:fld id="{0A63D831-56C1-49CF-8EF7-8B9A98402BCD}" type="datetime4">
               <a:rPr lang="en-US" smtClean="0"/>
               <a:pPr/>
-              <a:t>November 13, 2014</a:t>
+              <a:t>November 11, 2015</a:t>
             </a:fld>
             <a:endParaRPr lang="en-US"/>
           </a:p>
@@ -2342,7 +2783,7 @@
             <a:fld id="{6EAD5615-7F4F-4584-84D5-CC95918C321F}" type="datetime4">
               <a:rPr lang="en-US" smtClean="0"/>
               <a:pPr/>
-              <a:t>November 13, 2014</a:t>
+              <a:t>November 11, 2015</a:t>
             </a:fld>
             <a:endParaRPr lang="en-US"/>
           </a:p>
@@ -2638,7 +3079,7 @@
             <a:fld id="{76EEA923-9BEE-48CE-9F28-5B525F399BAD}" type="datetime4">
               <a:rPr lang="en-US" smtClean="0"/>
               <a:pPr/>
-              <a:t>November 13, 2014</a:t>
+              <a:t>November 11, 2015</a:t>
             </a:fld>
             <a:endParaRPr lang="en-US"/>
           </a:p>
@@ -2934,7 +3375,7 @@
             <a:fld id="{17D0EFEE-2756-4A20-BF2A-63F0A94F99AC}" type="datetime4">
               <a:rPr lang="en-US" smtClean="0"/>
               <a:pPr/>
-              <a:t>November 13, 2014</a:t>
+              <a:t>November 11, 2015</a:t>
             </a:fld>
             <a:endParaRPr lang="en-US" dirty="0"/>
           </a:p>
@@ -3573,27 +4014,70 @@
           <a:p>
             <a:r>
               <a:rPr lang="en-US" dirty="0" smtClean="0"/>
-              <a:t>Noam Chomsky </a:t>
+              <a:t>Noam Chomsky (1928-Present</a:t>
             </a:r>
             <a:r>
               <a:rPr lang="en-US" dirty="0" smtClean="0"/>
-              <a:t>(1928-Present)</a:t>
+              <a:t>)</a:t>
+            </a:r>
+          </a:p>
+          <a:p>
+            <a:r>
+              <a:rPr lang="en-US" dirty="0"/>
+              <a:t>	</a:t>
+            </a:r>
+            <a:r>
+              <a:rPr lang="en-US" dirty="0" smtClean="0"/>
+              <a:t>- Linguist by vocation</a:t>
+            </a:r>
+          </a:p>
+          <a:p>
+            <a:r>
+              <a:rPr lang="en-US" dirty="0"/>
+              <a:t>	</a:t>
+            </a:r>
+            <a:r>
+              <a:rPr lang="en-US" dirty="0" smtClean="0"/>
+              <a:t>- Probably the most famous intellectual in the world</a:t>
+            </a:r>
+          </a:p>
+          <a:p>
+            <a:r>
+              <a:rPr lang="en-US" dirty="0"/>
+              <a:t>	</a:t>
+            </a:r>
+            <a:r>
+              <a:rPr lang="en-US" dirty="0" smtClean="0"/>
+              <a:t>- Dozens of books and articles on politics</a:t>
             </a:r>
             <a:endParaRPr lang="en-US" dirty="0" smtClean="0"/>
           </a:p>
           <a:p>
             <a:r>
               <a:rPr lang="en-US" dirty="0" smtClean="0"/>
-              <a:t>Edward Herman </a:t>
-            </a:r>
+              <a:t>Edward Herman (1925-Present)</a:t>
+            </a:r>
+          </a:p>
+          <a:p>
             <a:r>
               <a:rPr lang="en-US" dirty="0" smtClean="0"/>
-              <a:t>(1925-Present)</a:t>
-            </a:r>
-            <a:endParaRPr lang="en-US" dirty="0" smtClean="0"/>
-          </a:p>
-          <a:p>
-            <a:endParaRPr lang="en-US" dirty="0"/>
+              <a:t>	- Business scholar at University of Pennsylvania</a:t>
+            </a:r>
+          </a:p>
+          <a:p>
+            <a:r>
+              <a:rPr lang="en-US" i="1" dirty="0" smtClean="0"/>
+              <a:t>Manufacturing Consent</a:t>
+            </a:r>
+            <a:r>
+              <a:rPr lang="en-US" dirty="0" smtClean="0"/>
+              <a:t> would have mixed effects </a:t>
+            </a:r>
+            <a:r>
+              <a:rPr lang="en-US" dirty="0" smtClean="0"/>
+              <a:t>on academic research but remains widely known and widely taught.</a:t>
+            </a:r>
+            <a:endParaRPr lang="en-US" i="1" dirty="0"/>
           </a:p>
         </p:txBody>
       </p:sp>
@@ -4225,6 +4709,847 @@
 </p:sld>
 </file>
 
+<file path=ppt/slides/slide4.xml><?xml version="1.0" encoding="utf-8"?>
+<p:sld xmlns:a="http://schemas.openxmlformats.org/drawingml/2006/main" xmlns:r="http://schemas.openxmlformats.org/officeDocument/2006/relationships" xmlns:p="http://schemas.openxmlformats.org/presentationml/2006/main">
+  <p:cSld>
+    <p:spTree>
+      <p:nvGrpSpPr>
+        <p:cNvPr id="1" name=""/>
+        <p:cNvGrpSpPr/>
+        <p:nvPr/>
+      </p:nvGrpSpPr>
+      <p:grpSpPr>
+        <a:xfrm>
+          <a:off x="0" y="0"/>
+          <a:ext cx="0" cy="0"/>
+          <a:chOff x="0" y="0"/>
+          <a:chExt cx="0" cy="0"/>
+        </a:xfrm>
+      </p:grpSpPr>
+      <p:sp>
+        <p:nvSpPr>
+          <p:cNvPr id="2" name="Title 1"/>
+          <p:cNvSpPr>
+            <a:spLocks noGrp="1"/>
+          </p:cNvSpPr>
+          <p:nvPr>
+            <p:ph type="title"/>
+          </p:nvPr>
+        </p:nvSpPr>
+        <p:spPr/>
+        <p:txBody>
+          <a:bodyPr>
+            <a:normAutofit fontScale="90000"/>
+          </a:bodyPr>
+          <a:lstStyle/>
+          <a:p>
+            <a:r>
+              <a:rPr lang="en-US" dirty="0" smtClean="0"/>
+              <a:t>Some Evidence From Herman and </a:t>
+            </a:r>
+            <a:r>
+              <a:rPr lang="en-US" dirty="0" err="1" smtClean="0"/>
+              <a:t>CHomsky</a:t>
+            </a:r>
+            <a:endParaRPr lang="en-US" dirty="0"/>
+          </a:p>
+        </p:txBody>
+      </p:sp>
+      <p:sp>
+        <p:nvSpPr>
+          <p:cNvPr id="3" name="Content Placeholder 2"/>
+          <p:cNvSpPr>
+            <a:spLocks noGrp="1"/>
+          </p:cNvSpPr>
+          <p:nvPr>
+            <p:ph idx="1"/>
+          </p:nvPr>
+        </p:nvSpPr>
+        <p:spPr/>
+        <p:txBody>
+          <a:bodyPr/>
+          <a:lstStyle/>
+          <a:p>
+            <a:r>
+              <a:rPr lang="en-US" dirty="0" smtClean="0"/>
+              <a:t>Comparative Case Study of Nicaragua (1984) and El Salvador (1982) Election Coverage</a:t>
+            </a:r>
+          </a:p>
+          <a:p>
+            <a:r>
+              <a:rPr lang="en-US" dirty="0"/>
+              <a:t>	</a:t>
+            </a:r>
+            <a:r>
+              <a:rPr lang="en-US" dirty="0" smtClean="0"/>
+              <a:t>- Nicaragua elected socialist </a:t>
+            </a:r>
+            <a:r>
+              <a:rPr lang="en-US" dirty="0" err="1" smtClean="0"/>
+              <a:t>Sandanistas</a:t>
+            </a:r>
+            <a:endParaRPr lang="en-US" dirty="0" smtClean="0"/>
+          </a:p>
+          <a:p>
+            <a:r>
+              <a:rPr lang="en-US" dirty="0" smtClean="0"/>
+              <a:t>	- Nicaragua elections were more democratic</a:t>
+            </a:r>
+          </a:p>
+          <a:p>
+            <a:r>
+              <a:rPr lang="en-US" dirty="0"/>
+              <a:t>	</a:t>
+            </a:r>
+            <a:r>
+              <a:rPr lang="en-US" dirty="0" smtClean="0"/>
+              <a:t>- Nicaragua elections reported on very critically</a:t>
+            </a:r>
+          </a:p>
+          <a:p>
+            <a:r>
+              <a:rPr lang="en-US" dirty="0"/>
+              <a:t>	</a:t>
+            </a:r>
+            <a:r>
+              <a:rPr lang="en-US" dirty="0" smtClean="0"/>
+              <a:t>- El Salvador was a client of the CIA</a:t>
+            </a:r>
+          </a:p>
+          <a:p>
+            <a:r>
+              <a:rPr lang="en-US" dirty="0"/>
+              <a:t>	</a:t>
+            </a:r>
+            <a:r>
+              <a:rPr lang="en-US" dirty="0" smtClean="0"/>
+              <a:t>- El Salvador election surrounded by terror</a:t>
+            </a:r>
+          </a:p>
+          <a:p>
+            <a:r>
+              <a:rPr lang="en-US" dirty="0"/>
+              <a:t>	</a:t>
+            </a:r>
+            <a:r>
+              <a:rPr lang="en-US" dirty="0" smtClean="0"/>
+              <a:t>- Salvadoran elections reported on supportively</a:t>
+            </a:r>
+          </a:p>
+          <a:p>
+            <a:r>
+              <a:rPr lang="en-US" dirty="0"/>
+              <a:t>	</a:t>
+            </a:r>
+          </a:p>
+        </p:txBody>
+      </p:sp>
+    </p:spTree>
+    <p:extLst>
+      <p:ext uri="{BB962C8B-B14F-4D97-AF65-F5344CB8AC3E}">
+        <p14:creationId xmlns:p14="http://schemas.microsoft.com/office/powerpoint/2010/main" val="2542783535"/>
+      </p:ext>
+    </p:extLst>
+  </p:cSld>
+  <p:clrMapOvr>
+    <a:masterClrMapping/>
+  </p:clrMapOvr>
+  <p:timing>
+    <p:tnLst>
+      <p:par>
+        <p:cTn xmlns:p14="http://schemas.microsoft.com/office/powerpoint/2010/main" id="1" dur="indefinite" restart="never" nodeType="tmRoot">
+          <p:childTnLst>
+            <p:seq concurrent="1" nextAc="seek">
+              <p:cTn id="2" dur="indefinite" nodeType="mainSeq">
+                <p:childTnLst>
+                  <p:par>
+                    <p:cTn id="3" fill="hold">
+                      <p:stCondLst>
+                        <p:cond delay="indefinite"/>
+                      </p:stCondLst>
+                      <p:childTnLst>
+                        <p:par>
+                          <p:cTn id="4" fill="hold">
+                            <p:stCondLst>
+                              <p:cond delay="0"/>
+                            </p:stCondLst>
+                            <p:childTnLst>
+                              <p:par>
+                                <p:cTn id="5" presetID="1" presetClass="entr" presetSubtype="0" fill="hold" nodeType="clickEffect">
+                                  <p:stCondLst>
+                                    <p:cond delay="0"/>
+                                  </p:stCondLst>
+                                  <p:childTnLst>
+                                    <p:set>
+                                      <p:cBhvr>
+                                        <p:cTn id="6" dur="1" fill="hold">
+                                          <p:stCondLst>
+                                            <p:cond delay="0"/>
+                                          </p:stCondLst>
+                                        </p:cTn>
+                                        <p:tgtEl>
+                                          <p:spTgt spid="3">
+                                            <p:txEl>
+                                              <p:pRg st="0" end="0"/>
+                                            </p:txEl>
+                                          </p:spTgt>
+                                        </p:tgtEl>
+                                        <p:attrNameLst>
+                                          <p:attrName>style.visibility</p:attrName>
+                                        </p:attrNameLst>
+                                      </p:cBhvr>
+                                      <p:to>
+                                        <p:strVal val="visible"/>
+                                      </p:to>
+                                    </p:set>
+                                  </p:childTnLst>
+                                </p:cTn>
+                              </p:par>
+                              <p:par>
+                                <p:cTn id="7" presetID="1" presetClass="entr" presetSubtype="0" fill="hold" nodeType="withEffect">
+                                  <p:stCondLst>
+                                    <p:cond delay="0"/>
+                                  </p:stCondLst>
+                                  <p:childTnLst>
+                                    <p:set>
+                                      <p:cBhvr>
+                                        <p:cTn id="8" dur="1" fill="hold">
+                                          <p:stCondLst>
+                                            <p:cond delay="0"/>
+                                          </p:stCondLst>
+                                        </p:cTn>
+                                        <p:tgtEl>
+                                          <p:spTgt spid="3">
+                                            <p:txEl>
+                                              <p:pRg st="1" end="1"/>
+                                            </p:txEl>
+                                          </p:spTgt>
+                                        </p:tgtEl>
+                                        <p:attrNameLst>
+                                          <p:attrName>style.visibility</p:attrName>
+                                        </p:attrNameLst>
+                                      </p:cBhvr>
+                                      <p:to>
+                                        <p:strVal val="visible"/>
+                                      </p:to>
+                                    </p:set>
+                                  </p:childTnLst>
+                                </p:cTn>
+                              </p:par>
+                              <p:par>
+                                <p:cTn id="9" presetID="1" presetClass="entr" presetSubtype="0" fill="hold" nodeType="withEffect">
+                                  <p:stCondLst>
+                                    <p:cond delay="0"/>
+                                  </p:stCondLst>
+                                  <p:childTnLst>
+                                    <p:set>
+                                      <p:cBhvr>
+                                        <p:cTn id="10" dur="1" fill="hold">
+                                          <p:stCondLst>
+                                            <p:cond delay="0"/>
+                                          </p:stCondLst>
+                                        </p:cTn>
+                                        <p:tgtEl>
+                                          <p:spTgt spid="3">
+                                            <p:txEl>
+                                              <p:pRg st="2" end="2"/>
+                                            </p:txEl>
+                                          </p:spTgt>
+                                        </p:tgtEl>
+                                        <p:attrNameLst>
+                                          <p:attrName>style.visibility</p:attrName>
+                                        </p:attrNameLst>
+                                      </p:cBhvr>
+                                      <p:to>
+                                        <p:strVal val="visible"/>
+                                      </p:to>
+                                    </p:set>
+                                  </p:childTnLst>
+                                </p:cTn>
+                              </p:par>
+                              <p:par>
+                                <p:cTn id="11" presetID="1" presetClass="entr" presetSubtype="0" fill="hold" nodeType="withEffect">
+                                  <p:stCondLst>
+                                    <p:cond delay="0"/>
+                                  </p:stCondLst>
+                                  <p:childTnLst>
+                                    <p:set>
+                                      <p:cBhvr>
+                                        <p:cTn id="12" dur="1" fill="hold">
+                                          <p:stCondLst>
+                                            <p:cond delay="0"/>
+                                          </p:stCondLst>
+                                        </p:cTn>
+                                        <p:tgtEl>
+                                          <p:spTgt spid="3">
+                                            <p:txEl>
+                                              <p:pRg st="3" end="3"/>
+                                            </p:txEl>
+                                          </p:spTgt>
+                                        </p:tgtEl>
+                                        <p:attrNameLst>
+                                          <p:attrName>style.visibility</p:attrName>
+                                        </p:attrNameLst>
+                                      </p:cBhvr>
+                                      <p:to>
+                                        <p:strVal val="visible"/>
+                                      </p:to>
+                                    </p:set>
+                                  </p:childTnLst>
+                                </p:cTn>
+                              </p:par>
+                            </p:childTnLst>
+                          </p:cTn>
+                        </p:par>
+                      </p:childTnLst>
+                    </p:cTn>
+                  </p:par>
+                  <p:par>
+                    <p:cTn id="13" fill="hold">
+                      <p:stCondLst>
+                        <p:cond delay="indefinite"/>
+                      </p:stCondLst>
+                      <p:childTnLst>
+                        <p:par>
+                          <p:cTn id="14" fill="hold">
+                            <p:stCondLst>
+                              <p:cond delay="0"/>
+                            </p:stCondLst>
+                            <p:childTnLst>
+                              <p:par>
+                                <p:cTn id="15" presetID="1" presetClass="entr" presetSubtype="0" fill="hold" nodeType="clickEffect">
+                                  <p:stCondLst>
+                                    <p:cond delay="0"/>
+                                  </p:stCondLst>
+                                  <p:childTnLst>
+                                    <p:set>
+                                      <p:cBhvr>
+                                        <p:cTn id="16" dur="1" fill="hold">
+                                          <p:stCondLst>
+                                            <p:cond delay="0"/>
+                                          </p:stCondLst>
+                                        </p:cTn>
+                                        <p:tgtEl>
+                                          <p:spTgt spid="3">
+                                            <p:txEl>
+                                              <p:pRg st="4" end="4"/>
+                                            </p:txEl>
+                                          </p:spTgt>
+                                        </p:tgtEl>
+                                        <p:attrNameLst>
+                                          <p:attrName>style.visibility</p:attrName>
+                                        </p:attrNameLst>
+                                      </p:cBhvr>
+                                      <p:to>
+                                        <p:strVal val="visible"/>
+                                      </p:to>
+                                    </p:set>
+                                  </p:childTnLst>
+                                </p:cTn>
+                              </p:par>
+                              <p:par>
+                                <p:cTn id="17" presetID="1" presetClass="entr" presetSubtype="0" fill="hold" nodeType="withEffect">
+                                  <p:stCondLst>
+                                    <p:cond delay="0"/>
+                                  </p:stCondLst>
+                                  <p:childTnLst>
+                                    <p:set>
+                                      <p:cBhvr>
+                                        <p:cTn id="18" dur="1" fill="hold">
+                                          <p:stCondLst>
+                                            <p:cond delay="0"/>
+                                          </p:stCondLst>
+                                        </p:cTn>
+                                        <p:tgtEl>
+                                          <p:spTgt spid="3">
+                                            <p:txEl>
+                                              <p:pRg st="5" end="5"/>
+                                            </p:txEl>
+                                          </p:spTgt>
+                                        </p:tgtEl>
+                                        <p:attrNameLst>
+                                          <p:attrName>style.visibility</p:attrName>
+                                        </p:attrNameLst>
+                                      </p:cBhvr>
+                                      <p:to>
+                                        <p:strVal val="visible"/>
+                                      </p:to>
+                                    </p:set>
+                                  </p:childTnLst>
+                                </p:cTn>
+                              </p:par>
+                              <p:par>
+                                <p:cTn id="19" presetID="1" presetClass="entr" presetSubtype="0" fill="hold" nodeType="withEffect">
+                                  <p:stCondLst>
+                                    <p:cond delay="0"/>
+                                  </p:stCondLst>
+                                  <p:childTnLst>
+                                    <p:set>
+                                      <p:cBhvr>
+                                        <p:cTn id="20" dur="1" fill="hold">
+                                          <p:stCondLst>
+                                            <p:cond delay="0"/>
+                                          </p:stCondLst>
+                                        </p:cTn>
+                                        <p:tgtEl>
+                                          <p:spTgt spid="3">
+                                            <p:txEl>
+                                              <p:pRg st="6" end="6"/>
+                                            </p:txEl>
+                                          </p:spTgt>
+                                        </p:tgtEl>
+                                        <p:attrNameLst>
+                                          <p:attrName>style.visibility</p:attrName>
+                                        </p:attrNameLst>
+                                      </p:cBhvr>
+                                      <p:to>
+                                        <p:strVal val="visible"/>
+                                      </p:to>
+                                    </p:set>
+                                  </p:childTnLst>
+                                </p:cTn>
+                              </p:par>
+                            </p:childTnLst>
+                          </p:cTn>
+                        </p:par>
+                      </p:childTnLst>
+                    </p:cTn>
+                  </p:par>
+                </p:childTnLst>
+              </p:cTn>
+              <p:prevCondLst>
+                <p:cond evt="onPrev" delay="0">
+                  <p:tgtEl>
+                    <p:sldTgt/>
+                  </p:tgtEl>
+                </p:cond>
+              </p:prevCondLst>
+              <p:nextCondLst>
+                <p:cond evt="onNext" delay="0">
+                  <p:tgtEl>
+                    <p:sldTgt/>
+                  </p:tgtEl>
+                </p:cond>
+              </p:nextCondLst>
+            </p:seq>
+          </p:childTnLst>
+        </p:cTn>
+      </p:par>
+    </p:tnLst>
+  </p:timing>
+</p:sld>
+</file>
+
+<file path=ppt/slides/slide5.xml><?xml version="1.0" encoding="utf-8"?>
+<p:sld xmlns:a="http://schemas.openxmlformats.org/drawingml/2006/main" xmlns:r="http://schemas.openxmlformats.org/officeDocument/2006/relationships" xmlns:p="http://schemas.openxmlformats.org/presentationml/2006/main">
+  <p:cSld>
+    <p:spTree>
+      <p:nvGrpSpPr>
+        <p:cNvPr id="1" name=""/>
+        <p:cNvGrpSpPr/>
+        <p:nvPr/>
+      </p:nvGrpSpPr>
+      <p:grpSpPr>
+        <a:xfrm>
+          <a:off x="0" y="0"/>
+          <a:ext cx="0" cy="0"/>
+          <a:chOff x="0" y="0"/>
+          <a:chExt cx="0" cy="0"/>
+        </a:xfrm>
+      </p:grpSpPr>
+      <p:sp>
+        <p:nvSpPr>
+          <p:cNvPr id="2" name="Title 1"/>
+          <p:cNvSpPr>
+            <a:spLocks noGrp="1"/>
+          </p:cNvSpPr>
+          <p:nvPr>
+            <p:ph type="title"/>
+          </p:nvPr>
+        </p:nvSpPr>
+        <p:spPr/>
+        <p:txBody>
+          <a:bodyPr/>
+          <a:lstStyle/>
+          <a:p>
+            <a:r>
+              <a:rPr lang="en-US" dirty="0" smtClean="0"/>
+              <a:t>Kern and </a:t>
+            </a:r>
+            <a:r>
+              <a:rPr lang="en-US" dirty="0" err="1" smtClean="0"/>
+              <a:t>Hainmueller</a:t>
+            </a:r>
+            <a:r>
+              <a:rPr lang="en-US" dirty="0" smtClean="0"/>
+              <a:t> 2009</a:t>
+            </a:r>
+            <a:endParaRPr lang="en-US" dirty="0"/>
+          </a:p>
+        </p:txBody>
+      </p:sp>
+      <p:sp>
+        <p:nvSpPr>
+          <p:cNvPr id="3" name="Content Placeholder 2"/>
+          <p:cNvSpPr>
+            <a:spLocks noGrp="1"/>
+          </p:cNvSpPr>
+          <p:nvPr>
+            <p:ph idx="1"/>
+          </p:nvPr>
+        </p:nvSpPr>
+        <p:spPr/>
+        <p:txBody>
+          <a:bodyPr/>
+          <a:lstStyle/>
+          <a:p>
+            <a:endParaRPr lang="en-US" dirty="0" smtClean="0">
+              <a:latin typeface="Hoefler Text"/>
+              <a:cs typeface="Hoefler Text"/>
+            </a:endParaRPr>
+          </a:p>
+          <a:p>
+            <a:endParaRPr lang="en-US" dirty="0" smtClean="0">
+              <a:latin typeface="Hoefler Text"/>
+              <a:cs typeface="Hoefler Text"/>
+            </a:endParaRPr>
+          </a:p>
+          <a:p>
+            <a:r>
+              <a:rPr lang="en-US" dirty="0" smtClean="0">
+                <a:latin typeface="Hoefler Text"/>
+                <a:cs typeface="Hoefler Text"/>
+              </a:rPr>
+              <a:t>Western </a:t>
+            </a:r>
+            <a:r>
+              <a:rPr lang="en-US" dirty="0">
+                <a:latin typeface="Hoefler Text"/>
+                <a:cs typeface="Hoefler Text"/>
+              </a:rPr>
+              <a:t>television entering into East Germany made East Germans </a:t>
+            </a:r>
+            <a:r>
+              <a:rPr lang="en-US" i="1" dirty="0">
+                <a:latin typeface="Hoefler Text"/>
+                <a:cs typeface="Hoefler Text"/>
+              </a:rPr>
+              <a:t>more</a:t>
+            </a:r>
+            <a:r>
+              <a:rPr lang="en-US" dirty="0">
+                <a:latin typeface="Hoefler Text"/>
+                <a:cs typeface="Hoefler Text"/>
+              </a:rPr>
+              <a:t> satisfied with their authoritarian </a:t>
+            </a:r>
+            <a:r>
+              <a:rPr lang="en-US" dirty="0" smtClean="0">
+                <a:latin typeface="Hoefler Text"/>
+                <a:cs typeface="Hoefler Text"/>
+              </a:rPr>
+              <a:t>government.</a:t>
+            </a:r>
+          </a:p>
+          <a:p>
+            <a:r>
+              <a:rPr lang="en-US" dirty="0">
+                <a:latin typeface="Hoefler Text"/>
+                <a:cs typeface="Hoefler Text"/>
+              </a:rPr>
+              <a:t>	</a:t>
+            </a:r>
+            <a:r>
+              <a:rPr lang="en-US" dirty="0" smtClean="0">
+                <a:latin typeface="Hoefler Text"/>
+                <a:cs typeface="Hoefler Text"/>
+              </a:rPr>
+              <a:t>- How do they test this?</a:t>
+            </a:r>
+            <a:endParaRPr lang="en-US" dirty="0">
+              <a:latin typeface="Hoefler Text"/>
+              <a:cs typeface="Hoefler Text"/>
+            </a:endParaRPr>
+          </a:p>
+          <a:p>
+            <a:endParaRPr lang="en-US" dirty="0"/>
+          </a:p>
+        </p:txBody>
+      </p:sp>
+    </p:spTree>
+    <p:extLst>
+      <p:ext uri="{BB962C8B-B14F-4D97-AF65-F5344CB8AC3E}">
+        <p14:creationId xmlns:p14="http://schemas.microsoft.com/office/powerpoint/2010/main" val="815909969"/>
+      </p:ext>
+    </p:extLst>
+  </p:cSld>
+  <p:clrMapOvr>
+    <a:masterClrMapping/>
+  </p:clrMapOvr>
+  <p:timing>
+    <p:tnLst>
+      <p:par>
+        <p:cTn xmlns:p14="http://schemas.microsoft.com/office/powerpoint/2010/main" id="1" dur="indefinite" restart="never" nodeType="tmRoot"/>
+      </p:par>
+    </p:tnLst>
+  </p:timing>
+</p:sld>
+</file>
+
+<file path=ppt/slides/slide6.xml><?xml version="1.0" encoding="utf-8"?>
+<p:sld xmlns:a="http://schemas.openxmlformats.org/drawingml/2006/main" xmlns:r="http://schemas.openxmlformats.org/officeDocument/2006/relationships" xmlns:p="http://schemas.openxmlformats.org/presentationml/2006/main">
+  <p:cSld>
+    <p:spTree>
+      <p:nvGrpSpPr>
+        <p:cNvPr id="1" name=""/>
+        <p:cNvGrpSpPr/>
+        <p:nvPr/>
+      </p:nvGrpSpPr>
+      <p:grpSpPr>
+        <a:xfrm>
+          <a:off x="0" y="0"/>
+          <a:ext cx="0" cy="0"/>
+          <a:chOff x="0" y="0"/>
+          <a:chExt cx="0" cy="0"/>
+        </a:xfrm>
+      </p:grpSpPr>
+      <p:sp>
+        <p:nvSpPr>
+          <p:cNvPr id="2" name="Title 1"/>
+          <p:cNvSpPr>
+            <a:spLocks noGrp="1"/>
+          </p:cNvSpPr>
+          <p:nvPr>
+            <p:ph type="title"/>
+          </p:nvPr>
+        </p:nvSpPr>
+        <p:spPr/>
+        <p:txBody>
+          <a:bodyPr/>
+          <a:lstStyle/>
+          <a:p>
+            <a:endParaRPr lang="en-US"/>
+          </a:p>
+        </p:txBody>
+      </p:sp>
+      <p:pic>
+        <p:nvPicPr>
+          <p:cNvPr id="6" name="Content Placeholder 5" descr="Screen Shot 2015-11-11 at 8.23.12 AM.png"/>
+          <p:cNvPicPr>
+            <a:picLocks noGrp="1" noChangeAspect="1"/>
+          </p:cNvPicPr>
+          <p:nvPr>
+            <p:ph idx="1"/>
+          </p:nvPr>
+        </p:nvPicPr>
+        <p:blipFill rotWithShape="1">
+          <a:blip r:embed="rId2">
+            <a:extLst>
+              <a:ext uri="{28A0092B-C50C-407E-A947-70E740481C1C}">
+                <a14:useLocalDpi xmlns:a14="http://schemas.microsoft.com/office/drawing/2010/main" val="0"/>
+              </a:ext>
+            </a:extLst>
+          </a:blip>
+          <a:srcRect l="-10101" r="-1" b="-4642"/>
+          <a:stretch/>
+        </p:blipFill>
+        <p:spPr>
+          <a:xfrm>
+            <a:off x="457200" y="241905"/>
+            <a:ext cx="7620000" cy="6785427"/>
+          </a:xfrm>
+        </p:spPr>
+      </p:pic>
+    </p:spTree>
+    <p:extLst>
+      <p:ext uri="{BB962C8B-B14F-4D97-AF65-F5344CB8AC3E}">
+        <p14:creationId xmlns:p14="http://schemas.microsoft.com/office/powerpoint/2010/main" val="1682250764"/>
+      </p:ext>
+    </p:extLst>
+  </p:cSld>
+  <p:clrMapOvr>
+    <a:masterClrMapping/>
+  </p:clrMapOvr>
+  <p:timing>
+    <p:tnLst>
+      <p:par>
+        <p:cTn xmlns:p14="http://schemas.microsoft.com/office/powerpoint/2010/main" id="1" dur="indefinite" restart="never" nodeType="tmRoot"/>
+      </p:par>
+    </p:tnLst>
+  </p:timing>
+</p:sld>
+</file>
+
+<file path=ppt/slides/slide7.xml><?xml version="1.0" encoding="utf-8"?>
+<p:sld xmlns:a="http://schemas.openxmlformats.org/drawingml/2006/main" xmlns:r="http://schemas.openxmlformats.org/officeDocument/2006/relationships" xmlns:p="http://schemas.openxmlformats.org/presentationml/2006/main">
+  <p:cSld>
+    <p:spTree>
+      <p:nvGrpSpPr>
+        <p:cNvPr id="1" name=""/>
+        <p:cNvGrpSpPr/>
+        <p:nvPr/>
+      </p:nvGrpSpPr>
+      <p:grpSpPr>
+        <a:xfrm>
+          <a:off x="0" y="0"/>
+          <a:ext cx="0" cy="0"/>
+          <a:chOff x="0" y="0"/>
+          <a:chExt cx="0" cy="0"/>
+        </a:xfrm>
+      </p:grpSpPr>
+      <p:sp>
+        <p:nvSpPr>
+          <p:cNvPr id="2" name="Title 1"/>
+          <p:cNvSpPr>
+            <a:spLocks noGrp="1"/>
+          </p:cNvSpPr>
+          <p:nvPr>
+            <p:ph type="title"/>
+          </p:nvPr>
+        </p:nvSpPr>
+        <p:spPr/>
+        <p:txBody>
+          <a:bodyPr/>
+          <a:lstStyle/>
+          <a:p>
+            <a:r>
+              <a:rPr lang="en-US" dirty="0" smtClean="0"/>
+              <a:t>Kern and </a:t>
+            </a:r>
+            <a:r>
+              <a:rPr lang="en-US" dirty="0" err="1" smtClean="0"/>
+              <a:t>HAinMueller</a:t>
+            </a:r>
+            <a:r>
+              <a:rPr lang="en-US" dirty="0" smtClean="0"/>
+              <a:t> 2009</a:t>
+            </a:r>
+            <a:endParaRPr lang="en-US" dirty="0"/>
+          </a:p>
+        </p:txBody>
+      </p:sp>
+      <p:sp>
+        <p:nvSpPr>
+          <p:cNvPr id="3" name="Content Placeholder 2"/>
+          <p:cNvSpPr>
+            <a:spLocks noGrp="1"/>
+          </p:cNvSpPr>
+          <p:nvPr>
+            <p:ph idx="1"/>
+          </p:nvPr>
+        </p:nvSpPr>
+        <p:spPr/>
+        <p:txBody>
+          <a:bodyPr/>
+          <a:lstStyle/>
+          <a:p>
+            <a:pPr marL="342900" indent="-342900">
+              <a:buFontTx/>
+              <a:buChar char="-"/>
+            </a:pPr>
+            <a:r>
+              <a:rPr lang="en-US" b="0" dirty="0" smtClean="0">
+                <a:latin typeface="Hoefler Text"/>
+                <a:cs typeface="Hoefler Text"/>
+              </a:rPr>
+              <a:t>Natural </a:t>
+            </a:r>
+            <a:r>
+              <a:rPr lang="en-US" b="0" dirty="0">
+                <a:latin typeface="Hoefler Text"/>
+                <a:cs typeface="Hoefler Text"/>
+              </a:rPr>
+              <a:t>experiment exploiting </a:t>
+            </a:r>
+            <a:r>
+              <a:rPr lang="en-US" b="0" dirty="0" smtClean="0">
+                <a:latin typeface="Hoefler Text"/>
+                <a:cs typeface="Hoefler Text"/>
+              </a:rPr>
+              <a:t>topography</a:t>
+            </a:r>
+          </a:p>
+          <a:p>
+            <a:pPr lvl="1" indent="0">
+              <a:buNone/>
+            </a:pPr>
+            <a:r>
+              <a:rPr lang="en-US" dirty="0" smtClean="0">
+                <a:latin typeface="Hoefler Text"/>
+                <a:cs typeface="Hoefler Text"/>
+              </a:rPr>
+              <a:t>- Shows that support was lower in low-reception Dresden area</a:t>
+            </a:r>
+          </a:p>
+          <a:p>
+            <a:pPr marL="800100" lvl="1" indent="-342900">
+              <a:buFontTx/>
+              <a:buChar char="-"/>
+            </a:pPr>
+            <a:endParaRPr lang="en-US" b="0" dirty="0">
+              <a:latin typeface="Hoefler Text"/>
+              <a:cs typeface="Hoefler Text"/>
+            </a:endParaRPr>
+          </a:p>
+          <a:p>
+            <a:r>
+              <a:rPr lang="en-US" b="0" dirty="0" smtClean="0">
+                <a:latin typeface="Hoefler Text"/>
+                <a:cs typeface="Hoefler Text"/>
+              </a:rPr>
+              <a:t>- Also: exit visas</a:t>
+            </a:r>
+            <a:r>
+              <a:rPr lang="en-US" b="0" dirty="0">
+                <a:latin typeface="Hoefler Text"/>
+                <a:cs typeface="Hoefler Text"/>
+              </a:rPr>
+              <a:t> </a:t>
+            </a:r>
+            <a:r>
+              <a:rPr lang="en-US" b="0" dirty="0" smtClean="0">
+                <a:latin typeface="Hoefler Text"/>
+                <a:cs typeface="Hoefler Text"/>
+              </a:rPr>
+              <a:t>and </a:t>
+            </a:r>
+            <a:r>
+              <a:rPr lang="en-US" b="0" dirty="0">
+                <a:latin typeface="Hoefler Text"/>
+                <a:cs typeface="Hoefler Text"/>
+              </a:rPr>
+              <a:t>government </a:t>
+            </a:r>
+            <a:r>
+              <a:rPr lang="en-US" b="0" dirty="0" smtClean="0">
+                <a:latin typeface="Hoefler Text"/>
+                <a:cs typeface="Hoefler Text"/>
+              </a:rPr>
+              <a:t>documents revealing government 	awareness of the phenomena</a:t>
+            </a:r>
+            <a:endParaRPr lang="en-US" b="0" dirty="0">
+              <a:latin typeface="Hoefler Text"/>
+              <a:cs typeface="Hoefler Text"/>
+            </a:endParaRPr>
+          </a:p>
+          <a:p>
+            <a:endParaRPr lang="en-US" dirty="0"/>
+          </a:p>
+        </p:txBody>
+      </p:sp>
+    </p:spTree>
+    <p:extLst>
+      <p:ext uri="{BB962C8B-B14F-4D97-AF65-F5344CB8AC3E}">
+        <p14:creationId xmlns:p14="http://schemas.microsoft.com/office/powerpoint/2010/main" val="2417558169"/>
+      </p:ext>
+    </p:extLst>
+  </p:cSld>
+  <p:clrMapOvr>
+    <a:masterClrMapping/>
+  </p:clrMapOvr>
+</p:sld>
+</file>
+
 <file path=ppt/theme/theme1.xml><?xml version="1.0" encoding="utf-8"?>
 <a:theme xmlns:a="http://schemas.openxmlformats.org/drawingml/2006/main" name="Essential">
   <a:themeElements>
@@ -4476,4 +5801,324 @@
   <a:objectDefaults/>
   <a:extraClrSchemeLst/>
 </a:theme>
+</file>
+
+<file path=ppt/theme/theme2.xml><?xml version="1.0" encoding="utf-8"?>
+<a:theme xmlns:a="http://schemas.openxmlformats.org/drawingml/2006/main" name="Office Theme">
+  <a:themeElements>
+    <a:clrScheme name="Office">
+      <a:dk1>
+        <a:sysClr val="windowText" lastClr="000000"/>
+      </a:dk1>
+      <a:lt1>
+        <a:sysClr val="window" lastClr="FFFFFF"/>
+      </a:lt1>
+      <a:dk2>
+        <a:srgbClr val="1F497D"/>
+      </a:dk2>
+      <a:lt2>
+        <a:srgbClr val="EEECE1"/>
+      </a:lt2>
+      <a:accent1>
+        <a:srgbClr val="4F81BD"/>
+      </a:accent1>
+      <a:accent2>
+        <a:srgbClr val="C0504D"/>
+      </a:accent2>
+      <a:accent3>
+        <a:srgbClr val="9BBB59"/>
+      </a:accent3>
+      <a:accent4>
+        <a:srgbClr val="8064A2"/>
+      </a:accent4>
+      <a:accent5>
+        <a:srgbClr val="4BACC6"/>
+      </a:accent5>
+      <a:accent6>
+        <a:srgbClr val="F79646"/>
+      </a:accent6>
+      <a:hlink>
+        <a:srgbClr val="0000FF"/>
+      </a:hlink>
+      <a:folHlink>
+        <a:srgbClr val="800080"/>
+      </a:folHlink>
+    </a:clrScheme>
+    <a:fontScheme name="Office">
+      <a:majorFont>
+        <a:latin typeface="Calibri"/>
+        <a:ea typeface=""/>
+        <a:cs typeface=""/>
+        <a:font script="Jpan" typeface="ＭＳ Ｐゴシック"/>
+        <a:font script="Hang" typeface="맑은 고딕"/>
+        <a:font script="Hans" typeface="宋体"/>
+        <a:font script="Hant" typeface="新細明體"/>
+        <a:font script="Arab" typeface="Times New Roman"/>
+        <a:font script="Hebr" typeface="Times New Roman"/>
+        <a:font script="Thai" typeface="Angsana New"/>
+        <a:font script="Ethi" typeface="Nyala"/>
+        <a:font script="Beng" typeface="Vrinda"/>
+        <a:font script="Gujr" typeface="Shruti"/>
+        <a:font script="Khmr" typeface="MoolBoran"/>
+        <a:font script="Knda" typeface="Tunga"/>
+        <a:font script="Guru" typeface="Raavi"/>
+        <a:font script="Cans" typeface="Euphemia"/>
+        <a:font script="Cher" typeface="Plantagenet Cherokee"/>
+        <a:font script="Yiii" typeface="Microsoft Yi Baiti"/>
+        <a:font script="Tibt" typeface="Microsoft Himalaya"/>
+        <a:font script="Thaa" typeface="MV Boli"/>
+        <a:font script="Deva" typeface="Mangal"/>
+        <a:font script="Telu" typeface="Gautami"/>
+        <a:font script="Taml" typeface="Latha"/>
+        <a:font script="Syrc" typeface="Estrangelo Edessa"/>
+        <a:font script="Orya" typeface="Kalinga"/>
+        <a:font script="Mlym" typeface="Kartika"/>
+        <a:font script="Laoo" typeface="DokChampa"/>
+        <a:font script="Sinh" typeface="Iskoola Pota"/>
+        <a:font script="Mong" typeface="Mongolian Baiti"/>
+        <a:font script="Viet" typeface="Times New Roman"/>
+        <a:font script="Uigh" typeface="Microsoft Uighur"/>
+        <a:font script="Geor" typeface="Sylfaen"/>
+      </a:majorFont>
+      <a:minorFont>
+        <a:latin typeface="Calibri"/>
+        <a:ea typeface=""/>
+        <a:cs typeface=""/>
+        <a:font script="Jpan" typeface="ＭＳ Ｐゴシック"/>
+        <a:font script="Hang" typeface="맑은 고딕"/>
+        <a:font script="Hans" typeface="宋体"/>
+        <a:font script="Hant" typeface="新細明體"/>
+        <a:font script="Arab" typeface="Arial"/>
+        <a:font script="Hebr" typeface="Arial"/>
+        <a:font script="Thai" typeface="Cordia New"/>
+        <a:font script="Ethi" typeface="Nyala"/>
+        <a:font script="Beng" typeface="Vrinda"/>
+        <a:font script="Gujr" typeface="Shruti"/>
+        <a:font script="Khmr" typeface="DaunPenh"/>
+        <a:font script="Knda" typeface="Tunga"/>
+        <a:font script="Guru" typeface="Raavi"/>
+        <a:font script="Cans" typeface="Euphemia"/>
+        <a:font script="Cher" typeface="Plantagenet Cherokee"/>
+        <a:font script="Yiii" typeface="Microsoft Yi Baiti"/>
+        <a:font script="Tibt" typeface="Microsoft Himalaya"/>
+        <a:font script="Thaa" typeface="MV Boli"/>
+        <a:font script="Deva" typeface="Mangal"/>
+        <a:font script="Telu" typeface="Gautami"/>
+        <a:font script="Taml" typeface="Latha"/>
+        <a:font script="Syrc" typeface="Estrangelo Edessa"/>
+        <a:font script="Orya" typeface="Kalinga"/>
+        <a:font script="Mlym" typeface="Kartika"/>
+        <a:font script="Laoo" typeface="DokChampa"/>
+        <a:font script="Sinh" typeface="Iskoola Pota"/>
+        <a:font script="Mong" typeface="Mongolian Baiti"/>
+        <a:font script="Viet" typeface="Arial"/>
+        <a:font script="Uigh" typeface="Microsoft Uighur"/>
+        <a:font script="Geor" typeface="Sylfaen"/>
+      </a:minorFont>
+    </a:fontScheme>
+    <a:fmtScheme name="Office">
+      <a:fillStyleLst>
+        <a:solidFill>
+          <a:schemeClr val="phClr"/>
+        </a:solidFill>
+        <a:gradFill rotWithShape="1">
+          <a:gsLst>
+            <a:gs pos="0">
+              <a:schemeClr val="phClr">
+                <a:tint val="50000"/>
+                <a:satMod val="300000"/>
+              </a:schemeClr>
+            </a:gs>
+            <a:gs pos="35000">
+              <a:schemeClr val="phClr">
+                <a:tint val="37000"/>
+                <a:satMod val="300000"/>
+              </a:schemeClr>
+            </a:gs>
+            <a:gs pos="100000">
+              <a:schemeClr val="phClr">
+                <a:tint val="15000"/>
+                <a:satMod val="350000"/>
+              </a:schemeClr>
+            </a:gs>
+          </a:gsLst>
+          <a:lin ang="16200000" scaled="1"/>
+        </a:gradFill>
+        <a:gradFill rotWithShape="1">
+          <a:gsLst>
+            <a:gs pos="0">
+              <a:schemeClr val="phClr">
+                <a:tint val="100000"/>
+                <a:shade val="100000"/>
+                <a:satMod val="130000"/>
+              </a:schemeClr>
+            </a:gs>
+            <a:gs pos="100000">
+              <a:schemeClr val="phClr">
+                <a:tint val="50000"/>
+                <a:shade val="100000"/>
+                <a:satMod val="350000"/>
+              </a:schemeClr>
+            </a:gs>
+          </a:gsLst>
+          <a:lin ang="16200000" scaled="0"/>
+        </a:gradFill>
+      </a:fillStyleLst>
+      <a:lnStyleLst>
+        <a:ln w="9525" cap="flat" cmpd="sng" algn="ctr">
+          <a:solidFill>
+            <a:schemeClr val="phClr">
+              <a:shade val="95000"/>
+              <a:satMod val="105000"/>
+            </a:schemeClr>
+          </a:solidFill>
+          <a:prstDash val="solid"/>
+        </a:ln>
+        <a:ln w="25400" cap="flat" cmpd="sng" algn="ctr">
+          <a:solidFill>
+            <a:schemeClr val="phClr"/>
+          </a:solidFill>
+          <a:prstDash val="solid"/>
+        </a:ln>
+        <a:ln w="38100" cap="flat" cmpd="sng" algn="ctr">
+          <a:solidFill>
+            <a:schemeClr val="phClr"/>
+          </a:solidFill>
+          <a:prstDash val="solid"/>
+        </a:ln>
+      </a:lnStyleLst>
+      <a:effectStyleLst>
+        <a:effectStyle>
+          <a:effectLst>
+            <a:outerShdw blurRad="40000" dist="20000" dir="5400000" rotWithShape="0">
+              <a:srgbClr val="000000">
+                <a:alpha val="38000"/>
+              </a:srgbClr>
+            </a:outerShdw>
+          </a:effectLst>
+        </a:effectStyle>
+        <a:effectStyle>
+          <a:effectLst>
+            <a:outerShdw blurRad="40000" dist="23000" dir="5400000" rotWithShape="0">
+              <a:srgbClr val="000000">
+                <a:alpha val="35000"/>
+              </a:srgbClr>
+            </a:outerShdw>
+          </a:effectLst>
+        </a:effectStyle>
+        <a:effectStyle>
+          <a:effectLst>
+            <a:outerShdw blurRad="40000" dist="23000" dir="5400000" rotWithShape="0">
+              <a:srgbClr val="000000">
+                <a:alpha val="35000"/>
+              </a:srgbClr>
+            </a:outerShdw>
+          </a:effectLst>
+          <a:scene3d>
+            <a:camera prst="orthographicFront">
+              <a:rot lat="0" lon="0" rev="0"/>
+            </a:camera>
+            <a:lightRig rig="threePt" dir="t">
+              <a:rot lat="0" lon="0" rev="1200000"/>
+            </a:lightRig>
+          </a:scene3d>
+          <a:sp3d>
+            <a:bevelT w="63500" h="25400"/>
+          </a:sp3d>
+        </a:effectStyle>
+      </a:effectStyleLst>
+      <a:bgFillStyleLst>
+        <a:solidFill>
+          <a:schemeClr val="phClr"/>
+        </a:solidFill>
+        <a:gradFill rotWithShape="1">
+          <a:gsLst>
+            <a:gs pos="0">
+              <a:schemeClr val="phClr">
+                <a:tint val="40000"/>
+                <a:satMod val="350000"/>
+              </a:schemeClr>
+            </a:gs>
+            <a:gs pos="40000">
+              <a:schemeClr val="phClr">
+                <a:tint val="45000"/>
+                <a:shade val="99000"/>
+                <a:satMod val="350000"/>
+              </a:schemeClr>
+            </a:gs>
+            <a:gs pos="100000">
+              <a:schemeClr val="phClr">
+                <a:shade val="20000"/>
+                <a:satMod val="255000"/>
+              </a:schemeClr>
+            </a:gs>
+          </a:gsLst>
+          <a:path path="circle">
+            <a:fillToRect l="50000" t="-80000" r="50000" b="180000"/>
+          </a:path>
+        </a:gradFill>
+        <a:gradFill rotWithShape="1">
+          <a:gsLst>
+            <a:gs pos="0">
+              <a:schemeClr val="phClr">
+                <a:tint val="80000"/>
+                <a:satMod val="300000"/>
+              </a:schemeClr>
+            </a:gs>
+            <a:gs pos="100000">
+              <a:schemeClr val="phClr">
+                <a:shade val="30000"/>
+                <a:satMod val="200000"/>
+              </a:schemeClr>
+            </a:gs>
+          </a:gsLst>
+          <a:path path="circle">
+            <a:fillToRect l="50000" t="50000" r="50000" b="50000"/>
+          </a:path>
+        </a:gradFill>
+      </a:bgFillStyleLst>
+    </a:fmtScheme>
+  </a:themeElements>
+  <a:objectDefaults>
+    <a:spDef>
+      <a:spPr/>
+      <a:bodyPr/>
+      <a:lstStyle/>
+      <a:style>
+        <a:lnRef idx="1">
+          <a:schemeClr val="accent1"/>
+        </a:lnRef>
+        <a:fillRef idx="3">
+          <a:schemeClr val="accent1"/>
+        </a:fillRef>
+        <a:effectRef idx="2">
+          <a:schemeClr val="accent1"/>
+        </a:effectRef>
+        <a:fontRef idx="minor">
+          <a:schemeClr val="lt1"/>
+        </a:fontRef>
+      </a:style>
+    </a:spDef>
+    <a:lnDef>
+      <a:spPr/>
+      <a:bodyPr/>
+      <a:lstStyle/>
+      <a:style>
+        <a:lnRef idx="2">
+          <a:schemeClr val="accent1"/>
+        </a:lnRef>
+        <a:fillRef idx="0">
+          <a:schemeClr val="accent1"/>
+        </a:fillRef>
+        <a:effectRef idx="1">
+          <a:schemeClr val="accent1"/>
+        </a:effectRef>
+        <a:fontRef idx="minor">
+          <a:schemeClr val="tx1"/>
+        </a:fontRef>
+      </a:style>
+    </a:lnDef>
+  </a:objectDefaults>
+  <a:extraClrSchemeLst/>
+</a:theme>
 </file>